--- a/_site/translations/es/intermediate/Infrared.pptx
+++ b/_site/translations/es/intermediate/Infrared.pptx
@@ -223,7 +223,7 @@
           <a:p>
             <a:fld id="{E354B44E-40A3-0E46-B16A-9BF1250A248B}" type="datetimeFigureOut">
               <a:rPr lang="en-US" smtClean="0"/>
-              <a:t>2/1/2017</a:t>
+              <a:t>2/5/17</a:t>
             </a:fld>
             <a:endParaRPr lang="en-US"/>
           </a:p>
@@ -289,7 +289,7 @@
           <a:p>
             <a:fld id="{ACDF1604-CF25-2840-A4A3-96CDE3604995}" type="slidenum">
               <a:rPr lang="en-US" smtClean="0"/>
-              <a:t>‹Nº›</a:t>
+              <a:t>‹#›</a:t>
             </a:fld>
             <a:endParaRPr lang="en-US"/>
           </a:p>
@@ -389,7 +389,7 @@
           <a:p>
             <a:fld id="{C86AD16C-2DB4-6642-BAD4-9ED973A087A0}" type="datetimeFigureOut">
               <a:rPr lang="en-US" smtClean="0"/>
-              <a:t>2/1/2017</a:t>
+              <a:t>2/5/17</a:t>
             </a:fld>
             <a:endParaRPr lang="en-US"/>
           </a:p>
@@ -547,7 +547,7 @@
           <a:p>
             <a:fld id="{1E5BF589-3978-3C45-966B-D7B7A71F2A02}" type="slidenum">
               <a:rPr lang="en-US" smtClean="0"/>
-              <a:t>‹Nº›</a:t>
+              <a:t>‹#›</a:t>
             </a:fld>
             <a:endParaRPr lang="en-US"/>
           </a:p>
@@ -722,6 +722,90 @@
           <a:p>
             <a:fld id="{1E5BF589-3978-3C45-966B-D7B7A71F2A02}" type="slidenum">
               <a:rPr lang="en-US" smtClean="0"/>
+              <a:t>1</a:t>
+            </a:fld>
+            <a:endParaRPr lang="en-US"/>
+          </a:p>
+        </p:txBody>
+      </p:sp>
+    </p:spTree>
+    <p:extLst>
+      <p:ext uri="{BB962C8B-B14F-4D97-AF65-F5344CB8AC3E}">
+        <p14:creationId xmlns:p14="http://schemas.microsoft.com/office/powerpoint/2010/main" val="1239469099"/>
+      </p:ext>
+    </p:extLst>
+  </p:cSld>
+  <p:clrMapOvr>
+    <a:masterClrMapping/>
+  </p:clrMapOvr>
+</p:notes>
+</file>
+
+<file path=ppt/notesSlides/notesSlide2.xml><?xml version="1.0" encoding="utf-8"?>
+<p:notes xmlns:a="http://schemas.openxmlformats.org/drawingml/2006/main" xmlns:r="http://schemas.openxmlformats.org/officeDocument/2006/relationships" xmlns:p="http://schemas.openxmlformats.org/presentationml/2006/main">
+  <p:cSld>
+    <p:spTree>
+      <p:nvGrpSpPr>
+        <p:cNvPr id="1" name=""/>
+        <p:cNvGrpSpPr/>
+        <p:nvPr/>
+      </p:nvGrpSpPr>
+      <p:grpSpPr>
+        <a:xfrm>
+          <a:off x="0" y="0"/>
+          <a:ext cx="0" cy="0"/>
+          <a:chOff x="0" y="0"/>
+          <a:chExt cx="0" cy="0"/>
+        </a:xfrm>
+      </p:grpSpPr>
+      <p:sp>
+        <p:nvSpPr>
+          <p:cNvPr id="2" name="Slide Image Placeholder 1"/>
+          <p:cNvSpPr>
+            <a:spLocks noGrp="1" noRot="1" noChangeAspect="1"/>
+          </p:cNvSpPr>
+          <p:nvPr>
+            <p:ph type="sldImg"/>
+          </p:nvPr>
+        </p:nvSpPr>
+        <p:spPr/>
+      </p:sp>
+      <p:sp>
+        <p:nvSpPr>
+          <p:cNvPr id="3" name="Notes Placeholder 2"/>
+          <p:cNvSpPr>
+            <a:spLocks noGrp="1"/>
+          </p:cNvSpPr>
+          <p:nvPr>
+            <p:ph type="body" idx="1"/>
+          </p:nvPr>
+        </p:nvSpPr>
+        <p:spPr/>
+        <p:txBody>
+          <a:bodyPr/>
+          <a:lstStyle/>
+          <a:p>
+            <a:endParaRPr lang="en-US"/>
+          </a:p>
+        </p:txBody>
+      </p:sp>
+      <p:sp>
+        <p:nvSpPr>
+          <p:cNvPr id="4" name="Slide Number Placeholder 3"/>
+          <p:cNvSpPr>
+            <a:spLocks noGrp="1"/>
+          </p:cNvSpPr>
+          <p:nvPr>
+            <p:ph type="sldNum" sz="quarter" idx="10"/>
+          </p:nvPr>
+        </p:nvSpPr>
+        <p:spPr/>
+        <p:txBody>
+          <a:bodyPr/>
+          <a:lstStyle/>
+          <a:p>
+            <a:fld id="{1E5BF589-3978-3C45-966B-D7B7A71F2A02}" type="slidenum">
+              <a:rPr lang="en-US" smtClean="0"/>
               <a:t>12</a:t>
             </a:fld>
             <a:endParaRPr lang="en-US"/>
@@ -928,9 +1012,9 @@
           <a:bodyPr/>
           <a:lstStyle/>
           <a:p>
-            <a:fld id="{B75482BB-5DD5-4583-B6E6-E6A6B4E57171}" type="datetime1">
+            <a:fld id="{037B7D8F-1D39-844A-98F9-1F8FEC5E95E9}" type="datetime1">
               <a:rPr lang="en-US" smtClean="0"/>
-              <a:t>2/1/2017</a:t>
+              <a:t>2/5/17</a:t>
             </a:fld>
             <a:endParaRPr lang="en-US"/>
           </a:p>
@@ -975,7 +1059,7 @@
           <a:p>
             <a:fld id="{7F5CE407-6216-4202-80E4-A30DC2F709B2}" type="slidenum">
               <a:rPr lang="en-US" smtClean="0"/>
-              <a:t>‹Nº›</a:t>
+              <a:t>‹#›</a:t>
             </a:fld>
             <a:endParaRPr lang="en-US"/>
           </a:p>
@@ -1190,7 +1274,7 @@
           <a:noFill/>
           <a:extLst>
             <a:ext uri="{909E8E84-426E-40dd-AFC4-6F175D3DCCD1}">
-              <a14:hiddenFill xmlns="" xmlns:a14="http://schemas.microsoft.com/office/drawing/2010/main">
+              <a14:hiddenFill xmlns:a14="http://schemas.microsoft.com/office/drawing/2010/main" xmlns="">
                 <a:solidFill>
                   <a:srgbClr val="FFFFFF"/>
                 </a:solidFill>
@@ -1319,9 +1403,9 @@
           <a:bodyPr/>
           <a:lstStyle/>
           <a:p>
-            <a:fld id="{0353B462-E1FD-4457-88A6-D53574D24FE6}" type="datetime1">
+            <a:fld id="{2A2AC84E-80CD-0142-B847-E962554713B6}" type="datetime1">
               <a:rPr lang="en-US" smtClean="0"/>
-              <a:t>2/1/2017</a:t>
+              <a:t>2/5/17</a:t>
             </a:fld>
             <a:endParaRPr lang="en-US"/>
           </a:p>
@@ -1366,7 +1450,7 @@
           <a:p>
             <a:fld id="{4382A7F7-08BF-4252-8141-63FB96055BBB}" type="slidenum">
               <a:rPr lang="en-US" smtClean="0"/>
-              <a:t>‹Nº›</a:t>
+              <a:t>‹#›</a:t>
             </a:fld>
             <a:endParaRPr lang="en-US"/>
           </a:p>
@@ -1578,9 +1662,9 @@
           <a:bodyPr/>
           <a:lstStyle/>
           <a:p>
-            <a:fld id="{394CCA3E-C529-404A-A264-934F947D4EFE}" type="datetime1">
+            <a:fld id="{B06148A5-EEB0-C548-A393-2C0DE6EB8DC6}" type="datetime1">
               <a:rPr lang="en-US" smtClean="0"/>
-              <a:t>2/1/2017</a:t>
+              <a:t>2/5/17</a:t>
             </a:fld>
             <a:endParaRPr lang="en-US"/>
           </a:p>
@@ -1625,7 +1709,7 @@
           <a:p>
             <a:fld id="{4382A7F7-08BF-4252-8141-63FB96055BBB}" type="slidenum">
               <a:rPr lang="en-US" smtClean="0"/>
-              <a:t>‹Nº›</a:t>
+              <a:t>‹#›</a:t>
             </a:fld>
             <a:endParaRPr lang="en-US"/>
           </a:p>
@@ -1832,9 +1916,9 @@
           <a:bodyPr/>
           <a:lstStyle/>
           <a:p>
-            <a:fld id="{B05995BE-EEA9-460F-A854-64565FAAB871}" type="datetime1">
+            <a:fld id="{387994FA-CFCB-BB4C-A421-CF3326C0CEFF}" type="datetime1">
               <a:rPr lang="en-US" smtClean="0"/>
-              <a:t>2/1/2017</a:t>
+              <a:t>2/5/17</a:t>
             </a:fld>
             <a:endParaRPr lang="en-US"/>
           </a:p>
@@ -1879,7 +1963,7 @@
           <a:p>
             <a:fld id="{7F5CE407-6216-4202-80E4-A30DC2F709B2}" type="slidenum">
               <a:rPr lang="en-US" smtClean="0"/>
-              <a:t>‹Nº›</a:t>
+              <a:t>‹#›</a:t>
             </a:fld>
             <a:endParaRPr lang="en-US"/>
           </a:p>
@@ -2277,9 +2361,9 @@
           <a:bodyPr/>
           <a:lstStyle/>
           <a:p>
-            <a:fld id="{905DEC0F-822B-4AEC-A9E2-E56CB3D0B120}" type="datetime1">
+            <a:fld id="{709F33C3-2540-8B49-B8BA-6EC6CA10B4F4}" type="datetime1">
               <a:rPr lang="en-US" smtClean="0"/>
-              <a:t>2/1/2017</a:t>
+              <a:t>2/5/17</a:t>
             </a:fld>
             <a:endParaRPr lang="en-US"/>
           </a:p>
@@ -2324,7 +2408,7 @@
           <a:p>
             <a:fld id="{4382A7F7-08BF-4252-8141-63FB96055BBB}" type="slidenum">
               <a:rPr lang="en-US" smtClean="0"/>
-              <a:t>‹Nº›</a:t>
+              <a:t>‹#›</a:t>
             </a:fld>
             <a:endParaRPr lang="en-US"/>
           </a:p>
@@ -2623,9 +2707,9 @@
           <a:bodyPr/>
           <a:lstStyle/>
           <a:p>
-            <a:fld id="{366C8579-C8C9-4C8D-98F3-B696F5B20534}" type="datetime1">
+            <a:fld id="{FCFE905D-2317-7946-AD46-75209F9C3417}" type="datetime1">
               <a:rPr lang="en-US" smtClean="0"/>
-              <a:t>2/1/2017</a:t>
+              <a:t>2/5/17</a:t>
             </a:fld>
             <a:endParaRPr lang="en-US"/>
           </a:p>
@@ -2670,7 +2754,7 @@
           <a:p>
             <a:fld id="{162F1D00-BD13-4404-86B0-79703945A0A7}" type="slidenum">
               <a:rPr lang="en-US" smtClean="0"/>
-              <a:t>‹Nº›</a:t>
+              <a:t>‹#›</a:t>
             </a:fld>
             <a:endParaRPr lang="en-US"/>
           </a:p>
@@ -2901,9 +2985,9 @@
           <a:bodyPr/>
           <a:lstStyle/>
           <a:p>
-            <a:fld id="{B1294C58-60A5-4555-AC3C-381971D3813C}" type="datetime1">
+            <a:fld id="{0DE92AEB-114A-9741-B52B-50C533E37095}" type="datetime1">
               <a:rPr lang="en-US" smtClean="0"/>
-              <a:t>2/1/2017</a:t>
+              <a:t>2/5/17</a:t>
             </a:fld>
             <a:endParaRPr lang="en-US"/>
           </a:p>
@@ -2949,7 +3033,7 @@
           <a:p>
             <a:fld id="{4382A7F7-08BF-4252-8141-63FB96055BBB}" type="slidenum">
               <a:rPr lang="en-US" smtClean="0"/>
-              <a:t>‹Nº›</a:t>
+              <a:t>‹#›</a:t>
             </a:fld>
             <a:endParaRPr lang="en-US"/>
           </a:p>
@@ -3284,9 +3368,9 @@
           <a:bodyPr/>
           <a:lstStyle/>
           <a:p>
-            <a:fld id="{1FA08D4D-CBF7-43C7-8461-20C8AE5F0860}" type="datetime1">
+            <a:fld id="{6E285901-F10F-B74E-BAE0-B559708989C2}" type="datetime1">
               <a:rPr lang="en-US" smtClean="0"/>
-              <a:t>2/1/2017</a:t>
+              <a:t>2/5/17</a:t>
             </a:fld>
             <a:endParaRPr lang="en-US"/>
           </a:p>
@@ -3331,7 +3415,7 @@
           <a:p>
             <a:fld id="{4382A7F7-08BF-4252-8141-63FB96055BBB}" type="slidenum">
               <a:rPr lang="en-US" smtClean="0"/>
-              <a:t>‹Nº›</a:t>
+              <a:t>‹#›</a:t>
             </a:fld>
             <a:endParaRPr lang="en-US"/>
           </a:p>
@@ -3405,9 +3489,9 @@
           <a:bodyPr/>
           <a:lstStyle/>
           <a:p>
-            <a:fld id="{1708D510-3917-491B-9405-C039E2DF44E8}" type="datetime1">
+            <a:fld id="{5F159AE2-52E1-144A-86A3-14E9818A79A6}" type="datetime1">
               <a:rPr lang="en-US" smtClean="0"/>
-              <a:t>2/1/2017</a:t>
+              <a:t>2/5/17</a:t>
             </a:fld>
             <a:endParaRPr lang="en-US"/>
           </a:p>
@@ -3452,7 +3536,7 @@
           <a:p>
             <a:fld id="{4382A7F7-08BF-4252-8141-63FB96055BBB}" type="slidenum">
               <a:rPr lang="en-US" smtClean="0"/>
-              <a:t>‹Nº›</a:t>
+              <a:t>‹#›</a:t>
             </a:fld>
             <a:endParaRPr lang="en-US"/>
           </a:p>
@@ -3579,9 +3663,9 @@
           <a:bodyPr/>
           <a:lstStyle/>
           <a:p>
-            <a:fld id="{E94AC558-13A0-4A6F-8FAE-36DCDB27AD5A}" type="datetime1">
+            <a:fld id="{6E144511-5A26-5F49-9272-03E93C7EE54A}" type="datetime1">
               <a:rPr lang="en-US" smtClean="0"/>
-              <a:t>2/1/2017</a:t>
+              <a:t>2/5/17</a:t>
             </a:fld>
             <a:endParaRPr lang="en-US"/>
           </a:p>
@@ -3634,7 +3718,7 @@
           <a:p>
             <a:fld id="{4382A7F7-08BF-4252-8141-63FB96055BBB}" type="slidenum">
               <a:rPr lang="en-US" smtClean="0"/>
-              <a:t>‹Nº›</a:t>
+              <a:t>‹#›</a:t>
             </a:fld>
             <a:endParaRPr lang="en-US"/>
           </a:p>
@@ -3936,9 +4020,9 @@
             </a:lvl1pPr>
           </a:lstStyle>
           <a:p>
-            <a:fld id="{6515BF3C-7478-4DFE-80BD-1E3AE5E0B7CD}" type="datetime1">
+            <a:fld id="{ACD74F50-91F0-7748-8CDC-8D4DEDE0BCFC}" type="datetime1">
               <a:rPr lang="en-US" smtClean="0"/>
-              <a:t>2/1/2017</a:t>
+              <a:t>2/5/17</a:t>
             </a:fld>
             <a:endParaRPr lang="en-US"/>
           </a:p>
@@ -4004,7 +4088,7 @@
           <a:p>
             <a:fld id="{7F5CE407-6216-4202-80E4-A30DC2F709B2}" type="slidenum">
               <a:rPr lang="en-US" smtClean="0"/>
-              <a:t>‹Nº›</a:t>
+              <a:t>‹#›</a:t>
             </a:fld>
             <a:endParaRPr lang="en-US"/>
           </a:p>
@@ -4130,9 +4214,9 @@
           <a:bodyPr/>
           <a:lstStyle/>
           <a:p>
-            <a:fld id="{1216D4B1-2B05-4441-ACFE-1BADA70BB853}" type="datetime1">
+            <a:fld id="{E8D9D204-D5FB-2B43-BDA3-63C5B2FC8BEA}" type="datetime1">
               <a:rPr lang="en-US" smtClean="0"/>
-              <a:t>2/1/2017</a:t>
+              <a:t>2/5/17</a:t>
             </a:fld>
             <a:endParaRPr lang="en-US"/>
           </a:p>
@@ -4177,7 +4261,7 @@
           <a:p>
             <a:fld id="{4382A7F7-08BF-4252-8141-63FB96055BBB}" type="slidenum">
               <a:rPr lang="en-US" smtClean="0"/>
-              <a:t>‹Nº›</a:t>
+              <a:t>‹#›</a:t>
             </a:fld>
             <a:endParaRPr lang="en-US"/>
           </a:p>
@@ -4494,9 +4578,9 @@
           <a:bodyPr/>
           <a:lstStyle/>
           <a:p>
-            <a:fld id="{3344E606-D08A-42BD-85D5-C8E242E5C180}" type="datetime1">
+            <a:fld id="{50759E8F-1CB7-C648-B1A4-A87B8758C6A9}" type="datetime1">
               <a:rPr lang="en-US" smtClean="0"/>
-              <a:t>2/1/2017</a:t>
+              <a:t>2/5/17</a:t>
             </a:fld>
             <a:endParaRPr lang="en-US"/>
           </a:p>
@@ -4541,7 +4625,7 @@
           <a:p>
             <a:fld id="{4382A7F7-08BF-4252-8141-63FB96055BBB}" type="slidenum">
               <a:rPr lang="en-US" smtClean="0"/>
-              <a:t>‹Nº›</a:t>
+              <a:t>‹#›</a:t>
             </a:fld>
             <a:endParaRPr lang="en-US"/>
           </a:p>
@@ -4667,9 +4751,9 @@
           <a:bodyPr/>
           <a:lstStyle/>
           <a:p>
-            <a:fld id="{4BB94F1D-D6B9-4B8D-82D6-04DB45C67F68}" type="datetime1">
+            <a:fld id="{9494086B-E7BC-E84D-8ECF-55A1C9EB1325}" type="datetime1">
               <a:rPr lang="en-US" smtClean="0"/>
-              <a:t>2/1/2017</a:t>
+              <a:t>2/5/17</a:t>
             </a:fld>
             <a:endParaRPr lang="en-US"/>
           </a:p>
@@ -4714,7 +4798,7 @@
           <a:p>
             <a:fld id="{4382A7F7-08BF-4252-8141-63FB96055BBB}" type="slidenum">
               <a:rPr lang="en-US" smtClean="0"/>
-              <a:t>‹Nº›</a:t>
+              <a:t>‹#›</a:t>
             </a:fld>
             <a:endParaRPr lang="en-US"/>
           </a:p>
@@ -4926,9 +5010,9 @@
           <a:bodyPr/>
           <a:lstStyle/>
           <a:p>
-            <a:fld id="{8921C0F7-E0ED-429B-97CA-AE4024AE805B}" type="datetime1">
+            <a:fld id="{A425802E-8367-E44F-89D5-76243D80D121}" type="datetime1">
               <a:rPr lang="en-US" smtClean="0"/>
-              <a:t>2/1/2017</a:t>
+              <a:t>2/5/17</a:t>
             </a:fld>
             <a:endParaRPr lang="en-US"/>
           </a:p>
@@ -4973,7 +5057,7 @@
           <a:p>
             <a:fld id="{4382A7F7-08BF-4252-8141-63FB96055BBB}" type="slidenum">
               <a:rPr lang="en-US" smtClean="0"/>
-              <a:t>‹Nº›</a:t>
+              <a:t>‹#›</a:t>
             </a:fld>
             <a:endParaRPr lang="en-US"/>
           </a:p>
@@ -5272,9 +5356,9 @@
           <a:bodyPr/>
           <a:lstStyle/>
           <a:p>
-            <a:fld id="{1C025450-6801-40DA-9ACE-BDBCC63847C3}" type="datetime1">
+            <a:fld id="{4E4A9C57-DC22-6B4F-A42C-BDC3F0F1557F}" type="datetime1">
               <a:rPr lang="en-US" smtClean="0"/>
-              <a:t>2/1/2017</a:t>
+              <a:t>2/5/17</a:t>
             </a:fld>
             <a:endParaRPr lang="en-US"/>
           </a:p>
@@ -5319,7 +5403,7 @@
           <a:p>
             <a:fld id="{162F1D00-BD13-4404-86B0-79703945A0A7}" type="slidenum">
               <a:rPr lang="en-US" smtClean="0"/>
-              <a:t>‹Nº›</a:t>
+              <a:t>‹#›</a:t>
             </a:fld>
             <a:endParaRPr lang="en-US"/>
           </a:p>
@@ -5550,9 +5634,9 @@
           <a:bodyPr/>
           <a:lstStyle/>
           <a:p>
-            <a:fld id="{65449995-60E8-44EB-9892-F1472FB19A52}" type="datetime1">
+            <a:fld id="{D551841A-313E-164E-A9B9-21F692EBB0B2}" type="datetime1">
               <a:rPr lang="en-US" smtClean="0"/>
-              <a:t>2/1/2017</a:t>
+              <a:t>2/5/17</a:t>
             </a:fld>
             <a:endParaRPr lang="en-US"/>
           </a:p>
@@ -5598,7 +5682,7 @@
           <a:p>
             <a:fld id="{4382A7F7-08BF-4252-8141-63FB96055BBB}" type="slidenum">
               <a:rPr lang="en-US" smtClean="0"/>
-              <a:t>‹Nº›</a:t>
+              <a:t>‹#›</a:t>
             </a:fld>
             <a:endParaRPr lang="en-US"/>
           </a:p>
@@ -5933,9 +6017,9 @@
           <a:bodyPr/>
           <a:lstStyle/>
           <a:p>
-            <a:fld id="{363823BE-0160-4C05-BBAD-4F985F6AD20B}" type="datetime1">
+            <a:fld id="{EBDA0CDF-5696-9948-BFB5-A81AF243A8C2}" type="datetime1">
               <a:rPr lang="en-US" smtClean="0"/>
-              <a:t>2/1/2017</a:t>
+              <a:t>2/5/17</a:t>
             </a:fld>
             <a:endParaRPr lang="en-US"/>
           </a:p>
@@ -5980,7 +6064,7 @@
           <a:p>
             <a:fld id="{4382A7F7-08BF-4252-8141-63FB96055BBB}" type="slidenum">
               <a:rPr lang="en-US" smtClean="0"/>
-              <a:t>‹Nº›</a:t>
+              <a:t>‹#›</a:t>
             </a:fld>
             <a:endParaRPr lang="en-US"/>
           </a:p>
@@ -6054,9 +6138,9 @@
           <a:bodyPr/>
           <a:lstStyle/>
           <a:p>
-            <a:fld id="{2E577C80-7EB0-4A40-9F78-FBECB6A4E2A0}" type="datetime1">
+            <a:fld id="{8178F562-728D-6A43-83A1-CD1D430C5D27}" type="datetime1">
               <a:rPr lang="en-US" smtClean="0"/>
-              <a:t>2/1/2017</a:t>
+              <a:t>2/5/17</a:t>
             </a:fld>
             <a:endParaRPr lang="en-US"/>
           </a:p>
@@ -6101,7 +6185,7 @@
           <a:p>
             <a:fld id="{4382A7F7-08BF-4252-8141-63FB96055BBB}" type="slidenum">
               <a:rPr lang="en-US" smtClean="0"/>
-              <a:t>‹Nº›</a:t>
+              <a:t>‹#›</a:t>
             </a:fld>
             <a:endParaRPr lang="en-US"/>
           </a:p>
@@ -6228,9 +6312,9 @@
           <a:bodyPr/>
           <a:lstStyle/>
           <a:p>
-            <a:fld id="{83512A8C-5BDE-47BE-A615-2A98F073CCC3}" type="datetime1">
+            <a:fld id="{79F25D7D-B2CA-1544-9DE3-F8F80196DB9E}" type="datetime1">
               <a:rPr lang="en-US" smtClean="0"/>
-              <a:t>2/1/2017</a:t>
+              <a:t>2/5/17</a:t>
             </a:fld>
             <a:endParaRPr lang="en-US"/>
           </a:p>
@@ -6283,7 +6367,7 @@
           <a:p>
             <a:fld id="{4382A7F7-08BF-4252-8141-63FB96055BBB}" type="slidenum">
               <a:rPr lang="en-US" smtClean="0"/>
-              <a:t>‹Nº›</a:t>
+              <a:t>‹#›</a:t>
             </a:fld>
             <a:endParaRPr lang="en-US"/>
           </a:p>
@@ -6585,9 +6669,9 @@
             </a:lvl1pPr>
           </a:lstStyle>
           <a:p>
-            <a:fld id="{35DE7347-0E9F-41E0-98D4-5FF50CB73EF3}" type="datetime1">
+            <a:fld id="{8E248D88-CAB6-AC4E-B42F-E5CFDD231205}" type="datetime1">
               <a:rPr lang="en-US" smtClean="0"/>
-              <a:t>2/1/2017</a:t>
+              <a:t>2/5/17</a:t>
             </a:fld>
             <a:endParaRPr lang="en-US"/>
           </a:p>
@@ -6653,7 +6737,7 @@
           <a:p>
             <a:fld id="{7F5CE407-6216-4202-80E4-A30DC2F709B2}" type="slidenum">
               <a:rPr lang="en-US" smtClean="0"/>
-              <a:t>‹Nº›</a:t>
+              <a:t>‹#›</a:t>
             </a:fld>
             <a:endParaRPr lang="en-US"/>
           </a:p>
@@ -6970,9 +7054,9 @@
           <a:bodyPr/>
           <a:lstStyle/>
           <a:p>
-            <a:fld id="{E5671B5F-46F0-4209-9AF5-4B0FE545C394}" type="datetime1">
+            <a:fld id="{8D47035E-4F8F-2E44-9AD5-8D4D2849A43C}" type="datetime1">
               <a:rPr lang="en-US" smtClean="0"/>
-              <a:t>2/1/2017</a:t>
+              <a:t>2/5/17</a:t>
             </a:fld>
             <a:endParaRPr lang="en-US"/>
           </a:p>
@@ -7017,7 +7101,7 @@
           <a:p>
             <a:fld id="{4382A7F7-08BF-4252-8141-63FB96055BBB}" type="slidenum">
               <a:rPr lang="en-US" smtClean="0"/>
-              <a:t>‹Nº›</a:t>
+              <a:t>‹#›</a:t>
             </a:fld>
             <a:endParaRPr lang="en-US"/>
           </a:p>
@@ -7262,9 +7346,9 @@
             </a:lvl1pPr>
           </a:lstStyle>
           <a:p>
-            <a:fld id="{EBD8396B-2487-4704-99BF-4ABC128C85D9}" type="datetime1">
+            <a:fld id="{D0F1E2AF-A7B1-E14F-B361-45C5115B80B5}" type="datetime1">
               <a:rPr lang="en-US" smtClean="0"/>
-              <a:t>2/1/2017</a:t>
+              <a:t>2/5/17</a:t>
             </a:fld>
             <a:endParaRPr lang="en-US" dirty="0"/>
           </a:p>
@@ -7342,7 +7426,7 @@
           <a:p>
             <a:fld id="{4382A7F7-08BF-4252-8141-63FB96055BBB}" type="slidenum">
               <a:rPr lang="en-US" smtClean="0"/>
-              <a:t>‹Nº›</a:t>
+              <a:t>‹#›</a:t>
             </a:fld>
             <a:endParaRPr lang="en-US"/>
           </a:p>
@@ -7445,7 +7529,7 @@
     <p:sldLayoutId id="2147483845" r:id="rId10"/>
     <p:sldLayoutId id="2147483846" r:id="rId11"/>
   </p:sldLayoutIdLst>
-  <p:hf sldNum="0" hdr="0" dt="0"/>
+  <p:hf hdr="0" dt="0"/>
   <p:txStyles>
     <p:titleStyle>
       <a:lvl1pPr algn="l" defTabSz="914400" rtl="0" eaLnBrk="1" latinLnBrk="0" hangingPunct="1">
@@ -8040,9 +8124,9 @@
             </a:lvl1pPr>
           </a:lstStyle>
           <a:p>
-            <a:fld id="{805BAC59-BD9B-4742-AF2F-3BADDFCE3F7E}" type="datetime1">
+            <a:fld id="{858D7A99-3C2B-C146-907A-12AFA83A8870}" type="datetime1">
               <a:rPr lang="en-US" smtClean="0"/>
-              <a:t>2/1/2017</a:t>
+              <a:t>2/5/17</a:t>
             </a:fld>
             <a:endParaRPr lang="en-US" dirty="0"/>
           </a:p>
@@ -8120,7 +8204,7 @@
           <a:p>
             <a:fld id="{4382A7F7-08BF-4252-8141-63FB96055BBB}" type="slidenum">
               <a:rPr lang="en-US" smtClean="0"/>
-              <a:t>‹Nº›</a:t>
+              <a:t>‹#›</a:t>
             </a:fld>
             <a:endParaRPr lang="en-US"/>
           </a:p>
@@ -8261,7 +8345,7 @@
     <p:sldLayoutId id="2147483857" r:id="rId10"/>
     <p:sldLayoutId id="2147483858" r:id="rId11"/>
   </p:sldLayoutIdLst>
-  <p:hf sldNum="0" hdr="0" dt="0"/>
+  <p:hf hdr="0" dt="0"/>
   <p:txStyles>
     <p:titleStyle>
       <a:lvl1pPr algn="l" defTabSz="914400" rtl="0" eaLnBrk="1" latinLnBrk="0" hangingPunct="1">
@@ -8724,7 +8808,7 @@
           <p:nvPr/>
         </p:nvPicPr>
         <p:blipFill rotWithShape="1">
-          <a:blip r:embed="rId2" cstate="email">
+          <a:blip r:embed="rId3" cstate="email">
             <a:extLst>
               <a:ext uri="{28A0092B-C50C-407E-A947-70E740481C1C}">
                 <a14:useLocalDpi xmlns:a14="http://schemas.microsoft.com/office/drawing/2010/main" val="0"/>
@@ -8870,6 +8954,29 @@
           </a:p>
         </p:txBody>
       </p:sp>
+      <p:sp>
+        <p:nvSpPr>
+          <p:cNvPr id="5" name="Slide Number Placeholder 4"/>
+          <p:cNvSpPr>
+            <a:spLocks noGrp="1"/>
+          </p:cNvSpPr>
+          <p:nvPr>
+            <p:ph type="sldNum" sz="quarter" idx="12"/>
+          </p:nvPr>
+        </p:nvSpPr>
+        <p:spPr/>
+        <p:txBody>
+          <a:bodyPr/>
+          <a:lstStyle/>
+          <a:p>
+            <a:fld id="{4382A7F7-08BF-4252-8141-63FB96055BBB}" type="slidenum">
+              <a:rPr lang="en-US" smtClean="0"/>
+              <a:t>10</a:t>
+            </a:fld>
+            <a:endParaRPr lang="en-US"/>
+          </a:p>
+        </p:txBody>
+      </p:sp>
     </p:spTree>
     <p:extLst>
       <p:ext uri="{BB962C8B-B14F-4D97-AF65-F5344CB8AC3E}">
@@ -8950,11 +9057,7 @@
             </a:r>
             <a:r>
               <a:rPr lang="es-MX" dirty="0" smtClean="0"/>
-              <a:t>de C</a:t>
-            </a:r>
-            <a:r>
-              <a:rPr lang="es-MX" dirty="0" smtClean="0"/>
-              <a:t>ontrol Proporcional.</a:t>
+              <a:t>de Control Proporcional.</a:t>
             </a:r>
             <a:endParaRPr lang="es-MX" dirty="0"/>
           </a:p>
@@ -8979,6 +9082,29 @@
               <a:rPr lang="en-US"/>
               <a:t>© 2016 EV3Lessons.com, Last edit 7/06/2016</a:t>
             </a:r>
+          </a:p>
+        </p:txBody>
+      </p:sp>
+      <p:sp>
+        <p:nvSpPr>
+          <p:cNvPr id="5" name="Slide Number Placeholder 4"/>
+          <p:cNvSpPr>
+            <a:spLocks noGrp="1"/>
+          </p:cNvSpPr>
+          <p:nvPr>
+            <p:ph type="sldNum" sz="quarter" idx="12"/>
+          </p:nvPr>
+        </p:nvSpPr>
+        <p:spPr/>
+        <p:txBody>
+          <a:bodyPr/>
+          <a:lstStyle/>
+          <a:p>
+            <a:fld id="{4382A7F7-08BF-4252-8141-63FB96055BBB}" type="slidenum">
+              <a:rPr lang="en-US" smtClean="0"/>
+              <a:t>11</a:t>
+            </a:fld>
+            <a:endParaRPr lang="en-US"/>
           </a:p>
         </p:txBody>
       </p:sp>
@@ -9076,7 +9202,6 @@
               <a:rPr lang="es-MX" dirty="0"/>
               <a:t>Traducido por David Daniel Galván Medrano</a:t>
             </a:r>
-            <a:endParaRPr lang="es-MX" dirty="0"/>
           </a:p>
         </p:txBody>
       </p:sp>
@@ -9127,7 +9252,7 @@
           <a:effectLst/>
           <a:extLst>
             <a:ext uri="{91240B29-F687-4f45-9708-019B960494DF}">
-              <a14:hiddenLine xmlns:a14="http://schemas.microsoft.com/office/drawing/2010/main" xmlns="" w="9525">
+              <a14:hiddenLine xmlns="" xmlns:a14="http://schemas.microsoft.com/office/drawing/2010/main" w="9525">
                 <a:solidFill>
                   <a:schemeClr val="tx1"/>
                 </a:solidFill>
@@ -9137,7 +9262,7 @@
               </a14:hiddenLine>
             </a:ext>
             <a:ext uri="{AF507438-7753-43e0-B8FC-AC1667EBCBE1}">
-              <a14:hiddenEffects xmlns:a14="http://schemas.microsoft.com/office/drawing/2010/main" xmlns="">
+              <a14:hiddenEffects xmlns="" xmlns:a14="http://schemas.microsoft.com/office/drawing/2010/main">
                 <a:effectLst>
                   <a:outerShdw dist="35921" dir="2700000" algn="ctr" rotWithShape="0">
                     <a:schemeClr val="bg2"/>
@@ -9490,7 +9615,7 @@
           <a:noFill/>
           <a:extLst>
             <a:ext uri="{909E8E84-426E-40dd-AFC4-6F175D3DCCD1}">
-              <a14:hiddenFill xmlns:a14="http://schemas.microsoft.com/office/drawing/2010/main" xmlns="">
+              <a14:hiddenFill xmlns="" xmlns:a14="http://schemas.microsoft.com/office/drawing/2010/main">
                 <a:solidFill>
                   <a:srgbClr val="FFFFFF"/>
                 </a:solidFill>
@@ -9499,6 +9624,29 @@
           </a:extLst>
         </p:spPr>
       </p:pic>
+      <p:sp>
+        <p:nvSpPr>
+          <p:cNvPr id="7" name="Slide Number Placeholder 6"/>
+          <p:cNvSpPr>
+            <a:spLocks noGrp="1"/>
+          </p:cNvSpPr>
+          <p:nvPr>
+            <p:ph type="sldNum" sz="quarter" idx="12"/>
+          </p:nvPr>
+        </p:nvSpPr>
+        <p:spPr/>
+        <p:txBody>
+          <a:bodyPr/>
+          <a:lstStyle/>
+          <a:p>
+            <a:fld id="{4382A7F7-08BF-4252-8141-63FB96055BBB}" type="slidenum">
+              <a:rPr lang="en-US" smtClean="0"/>
+              <a:t>12</a:t>
+            </a:fld>
+            <a:endParaRPr lang="en-US"/>
+          </a:p>
+        </p:txBody>
+      </p:sp>
     </p:spTree>
     <p:extLst>
       <p:ext uri="{BB962C8B-B14F-4D97-AF65-F5344CB8AC3E}">
@@ -9593,11 +9741,7 @@
             </a:pPr>
             <a:r>
               <a:rPr lang="es-MX" dirty="0" smtClean="0"/>
-              <a:t>Aprenda a usar</a:t>
-            </a:r>
-            <a:r>
-              <a:rPr lang="es-MX" dirty="0" smtClean="0"/>
-              <a:t> </a:t>
+              <a:t>Aprenda a usar </a:t>
             </a:r>
             <a:r>
               <a:rPr lang="es-MX" dirty="0"/>
@@ -9607,7 +9751,6 @@
               <a:rPr lang="es-MX" dirty="0" smtClean="0"/>
               <a:t>Infrarrojo en sus tres principales modos</a:t>
             </a:r>
-            <a:endParaRPr lang="es-MX" dirty="0" smtClean="0"/>
           </a:p>
           <a:p>
             <a:pPr marL="457200" indent="-457200">
@@ -9653,6 +9796,29 @@
               <a:rPr lang="en-US"/>
               <a:t>© 2016 EV3Lessons.com, Last edit 7/06/2016</a:t>
             </a:r>
+          </a:p>
+        </p:txBody>
+      </p:sp>
+      <p:sp>
+        <p:nvSpPr>
+          <p:cNvPr id="5" name="Slide Number Placeholder 4"/>
+          <p:cNvSpPr>
+            <a:spLocks noGrp="1"/>
+          </p:cNvSpPr>
+          <p:nvPr>
+            <p:ph type="sldNum" sz="quarter" idx="12"/>
+          </p:nvPr>
+        </p:nvSpPr>
+        <p:spPr/>
+        <p:txBody>
+          <a:bodyPr/>
+          <a:lstStyle/>
+          <a:p>
+            <a:fld id="{4382A7F7-08BF-4252-8141-63FB96055BBB}" type="slidenum">
+              <a:rPr lang="en-US" smtClean="0"/>
+              <a:t>2</a:t>
+            </a:fld>
+            <a:endParaRPr lang="en-US"/>
           </a:p>
         </p:txBody>
       </p:sp>
@@ -9743,11 +9909,7 @@
           <a:p>
             <a:r>
               <a:rPr lang="es-MX" dirty="0" smtClean="0"/>
-              <a:t>Mide que botón es presionado en el control remoto</a:t>
-            </a:r>
-            <a:r>
-              <a:rPr lang="es-MX" dirty="0" smtClean="0"/>
-              <a:t>.</a:t>
+              <a:t>Mide que botón es presionado en el control remoto.</a:t>
             </a:r>
           </a:p>
           <a:p>
@@ -9890,7 +10052,6 @@
               <a:rPr lang="es-MX" dirty="0"/>
               <a:t>Sensor Infrarrojo</a:t>
             </a:r>
-            <a:endParaRPr lang="es-MX" dirty="0"/>
           </a:p>
         </p:txBody>
       </p:sp>
@@ -9921,6 +10082,29 @@
               <a:t>Baliza/Remoto</a:t>
             </a:r>
             <a:endParaRPr lang="es-MX" dirty="0"/>
+          </a:p>
+        </p:txBody>
+      </p:sp>
+      <p:sp>
+        <p:nvSpPr>
+          <p:cNvPr id="5" name="Slide Number Placeholder 4"/>
+          <p:cNvSpPr>
+            <a:spLocks noGrp="1"/>
+          </p:cNvSpPr>
+          <p:nvPr>
+            <p:ph type="sldNum" sz="quarter" idx="12"/>
+          </p:nvPr>
+        </p:nvSpPr>
+        <p:spPr/>
+        <p:txBody>
+          <a:bodyPr/>
+          <a:lstStyle/>
+          <a:p>
+            <a:fld id="{4382A7F7-08BF-4252-8141-63FB96055BBB}" type="slidenum">
+              <a:rPr lang="en-US" smtClean="0"/>
+              <a:t>3</a:t>
+            </a:fld>
+            <a:endParaRPr lang="en-US"/>
           </a:p>
         </p:txBody>
       </p:sp>
@@ -10110,6 +10294,29 @@
           </a:prstGeom>
         </p:spPr>
       </p:pic>
+      <p:sp>
+        <p:nvSpPr>
+          <p:cNvPr id="5" name="Slide Number Placeholder 4"/>
+          <p:cNvSpPr>
+            <a:spLocks noGrp="1"/>
+          </p:cNvSpPr>
+          <p:nvPr>
+            <p:ph type="sldNum" sz="quarter" idx="12"/>
+          </p:nvPr>
+        </p:nvSpPr>
+        <p:spPr/>
+        <p:txBody>
+          <a:bodyPr/>
+          <a:lstStyle/>
+          <a:p>
+            <a:fld id="{4382A7F7-08BF-4252-8141-63FB96055BBB}" type="slidenum">
+              <a:rPr lang="en-US" smtClean="0"/>
+              <a:t>4</a:t>
+            </a:fld>
+            <a:endParaRPr lang="en-US"/>
+          </a:p>
+        </p:txBody>
+      </p:sp>
     </p:spTree>
     <p:extLst>
       <p:ext uri="{BB962C8B-B14F-4D97-AF65-F5344CB8AC3E}">
@@ -10195,11 +10402,7 @@
             </a:r>
             <a:r>
               <a:rPr lang="es-MX" dirty="0" smtClean="0"/>
-              <a:t>remoto </a:t>
-            </a:r>
-            <a:r>
-              <a:rPr lang="es-MX" dirty="0" smtClean="0"/>
-              <a:t>para que el robot realice diferentes acciones dependiendo del botón que presione en el control remoto</a:t>
+              <a:t>remoto para que el robot realice diferentes acciones dependiendo del botón que presione en el control remoto</a:t>
             </a:r>
           </a:p>
           <a:p>
@@ -10238,6 +10441,29 @@
               <a:rPr lang="en-US"/>
               <a:t>© 2016 EV3Lessons.com, Last edit 7/06/2016</a:t>
             </a:r>
+          </a:p>
+        </p:txBody>
+      </p:sp>
+      <p:sp>
+        <p:nvSpPr>
+          <p:cNvPr id="5" name="Slide Number Placeholder 4"/>
+          <p:cNvSpPr>
+            <a:spLocks noGrp="1"/>
+          </p:cNvSpPr>
+          <p:nvPr>
+            <p:ph type="sldNum" sz="quarter" idx="12"/>
+          </p:nvPr>
+        </p:nvSpPr>
+        <p:spPr/>
+        <p:txBody>
+          <a:bodyPr/>
+          <a:lstStyle/>
+          <a:p>
+            <a:fld id="{4382A7F7-08BF-4252-8141-63FB96055BBB}" type="slidenum">
+              <a:rPr lang="en-US" smtClean="0"/>
+              <a:t>5</a:t>
+            </a:fld>
+            <a:endParaRPr lang="en-US"/>
           </a:p>
         </p:txBody>
       </p:sp>
@@ -10349,14 +10575,14 @@
                 <a:gridCol w="1528287">
                   <a:extLst>
                     <a:ext uri="{9D8B030D-6E8A-4147-A177-3AD203B41FA5}">
-                      <a16:colId xmlns="" xmlns:a16="http://schemas.microsoft.com/office/drawing/2014/main" val="20000"/>
+                      <a16:colId xmlns:a16="http://schemas.microsoft.com/office/drawing/2014/main" xmlns="" val="20000"/>
                     </a:ext>
                   </a:extLst>
                 </a:gridCol>
                 <a:gridCol w="6485052">
                   <a:extLst>
                     <a:ext uri="{9D8B030D-6E8A-4147-A177-3AD203B41FA5}">
-                      <a16:colId xmlns="" xmlns:a16="http://schemas.microsoft.com/office/drawing/2014/main" val="20001"/>
+                      <a16:colId xmlns:a16="http://schemas.microsoft.com/office/drawing/2014/main" xmlns="" val="20001"/>
                     </a:ext>
                   </a:extLst>
                 </a:gridCol>
@@ -10472,7 +10698,7 @@
                 </a:tc>
                 <a:extLst>
                   <a:ext uri="{0D108BD9-81ED-4DB2-BD59-A6C34878D82A}">
-                    <a16:rowId xmlns="" xmlns:a16="http://schemas.microsoft.com/office/drawing/2014/main" val="10000"/>
+                    <a16:rowId xmlns:a16="http://schemas.microsoft.com/office/drawing/2014/main" xmlns="" val="10000"/>
                   </a:ext>
                 </a:extLst>
               </a:tr>
@@ -10602,7 +10828,7 @@
                 </a:tc>
                 <a:extLst>
                   <a:ext uri="{0D108BD9-81ED-4DB2-BD59-A6C34878D82A}">
-                    <a16:rowId xmlns="" xmlns:a16="http://schemas.microsoft.com/office/drawing/2014/main" val="10001"/>
+                    <a16:rowId xmlns:a16="http://schemas.microsoft.com/office/drawing/2014/main" xmlns="" val="10001"/>
                   </a:ext>
                 </a:extLst>
               </a:tr>
@@ -10669,15 +10895,7 @@
                       </a:r>
                       <a:r>
                         <a:rPr lang="es-MX" baseline="0" noProof="0" dirty="0" smtClean="0"/>
-                        <a:t> esta a &lt;</a:t>
-                      </a:r>
-                      <a:r>
-                        <a:rPr lang="es-MX" baseline="0" noProof="0" dirty="0" smtClean="0"/>
-                        <a:t>15 de proximidad de la Baliza, </a:t>
-                      </a:r>
-                      <a:r>
-                        <a:rPr lang="es-MX" baseline="0" noProof="0" dirty="0" smtClean="0"/>
-                        <a:t>retroceda</a:t>
+                        <a:t> esta a &lt;15 de proximidad de la Baliza, retroceda</a:t>
                       </a:r>
                     </a:p>
                     <a:p>
@@ -10687,13 +10905,8 @@
                       </a:r>
                       <a:r>
                         <a:rPr lang="es-MX" baseline="0" noProof="0" dirty="0" smtClean="0"/>
-                        <a:t> esta a &gt;15 </a:t>
+                        <a:t> esta a &gt;15 de proximidad de la Baliza, avance</a:t>
                       </a:r>
-                      <a:r>
-                        <a:rPr lang="es-MX" baseline="0" noProof="0" dirty="0" smtClean="0"/>
-                        <a:t>de proximidad de la Baliza, avance</a:t>
-                      </a:r>
-                      <a:endParaRPr lang="es-MX" baseline="0" noProof="0" dirty="0" smtClean="0"/>
                     </a:p>
                     <a:p>
                       <a:pPr marL="0" marR="0" indent="0" algn="l" defTabSz="914400" rtl="0" eaLnBrk="1" fontAlgn="auto" latinLnBrk="0" hangingPunct="1">
@@ -10717,7 +10930,6 @@
                         <a:rPr lang="es-MX" baseline="0" noProof="0" dirty="0" smtClean="0"/>
                         <a:t>Utilice control proporcional para ajustar la dirección respecto a la posición de la Baliza</a:t>
                       </a:r>
-                      <a:endParaRPr lang="es-MX" baseline="0" noProof="0" dirty="0" smtClean="0"/>
                     </a:p>
                     <a:p>
                       <a:pPr marL="0" marR="0" indent="0" algn="l" defTabSz="914400" rtl="0" eaLnBrk="1" fontAlgn="auto" latinLnBrk="0" hangingPunct="1">
@@ -10793,7 +11005,7 @@
                 </a:tc>
                 <a:extLst>
                   <a:ext uri="{0D108BD9-81ED-4DB2-BD59-A6C34878D82A}">
-                    <a16:rowId xmlns="" xmlns:a16="http://schemas.microsoft.com/office/drawing/2014/main" val="10002"/>
+                    <a16:rowId xmlns:a16="http://schemas.microsoft.com/office/drawing/2014/main" xmlns="" val="10002"/>
                   </a:ext>
                 </a:extLst>
               </a:tr>
@@ -10919,7 +11131,7 @@
                 </a:tc>
                 <a:extLst>
                   <a:ext uri="{0D108BD9-81ED-4DB2-BD59-A6C34878D82A}">
-                    <a16:rowId xmlns="" xmlns:a16="http://schemas.microsoft.com/office/drawing/2014/main" val="10003"/>
+                    <a16:rowId xmlns:a16="http://schemas.microsoft.com/office/drawing/2014/main" xmlns="" val="10003"/>
                   </a:ext>
                 </a:extLst>
               </a:tr>
@@ -10927,6 +11139,29 @@
           </a:graphicData>
         </a:graphic>
       </p:graphicFrame>
+      <p:sp>
+        <p:nvSpPr>
+          <p:cNvPr id="3" name="Slide Number Placeholder 2"/>
+          <p:cNvSpPr>
+            <a:spLocks noGrp="1"/>
+          </p:cNvSpPr>
+          <p:nvPr>
+            <p:ph type="sldNum" sz="quarter" idx="12"/>
+          </p:nvPr>
+        </p:nvSpPr>
+        <p:spPr/>
+        <p:txBody>
+          <a:bodyPr/>
+          <a:lstStyle/>
+          <a:p>
+            <a:fld id="{4382A7F7-08BF-4252-8141-63FB96055BBB}" type="slidenum">
+              <a:rPr lang="en-US" smtClean="0"/>
+              <a:t>6</a:t>
+            </a:fld>
+            <a:endParaRPr lang="en-US"/>
+          </a:p>
+        </p:txBody>
+      </p:sp>
     </p:spTree>
     <p:extLst>
       <p:ext uri="{BB962C8B-B14F-4D97-AF65-F5344CB8AC3E}">
@@ -10978,11 +11213,7 @@
           <a:p>
             <a:r>
               <a:rPr lang="es-MX" dirty="0" smtClean="0"/>
-              <a:t>Solución</a:t>
-            </a:r>
-            <a:r>
-              <a:rPr lang="es-MX" dirty="0" smtClean="0"/>
-              <a:t>: </a:t>
+              <a:t>Solución: </a:t>
             </a:r>
             <a:r>
               <a:rPr lang="es-MX" dirty="0"/>
@@ -11079,6 +11310,29 @@
           </a:p>
         </p:txBody>
       </p:sp>
+      <p:sp>
+        <p:nvSpPr>
+          <p:cNvPr id="3" name="Slide Number Placeholder 2"/>
+          <p:cNvSpPr>
+            <a:spLocks noGrp="1"/>
+          </p:cNvSpPr>
+          <p:nvPr>
+            <p:ph type="sldNum" sz="quarter" idx="12"/>
+          </p:nvPr>
+        </p:nvSpPr>
+        <p:spPr/>
+        <p:txBody>
+          <a:bodyPr/>
+          <a:lstStyle/>
+          <a:p>
+            <a:fld id="{4382A7F7-08BF-4252-8141-63FB96055BBB}" type="slidenum">
+              <a:rPr lang="en-US" smtClean="0"/>
+              <a:t>7</a:t>
+            </a:fld>
+            <a:endParaRPr lang="en-US"/>
+          </a:p>
+        </p:txBody>
+      </p:sp>
     </p:spTree>
     <p:extLst>
       <p:ext uri="{BB962C8B-B14F-4D97-AF65-F5344CB8AC3E}">
@@ -11187,6 +11441,29 @@
           </a:prstGeom>
         </p:spPr>
       </p:pic>
+      <p:sp>
+        <p:nvSpPr>
+          <p:cNvPr id="3" name="Slide Number Placeholder 2"/>
+          <p:cNvSpPr>
+            <a:spLocks noGrp="1"/>
+          </p:cNvSpPr>
+          <p:nvPr>
+            <p:ph type="sldNum" sz="quarter" idx="12"/>
+          </p:nvPr>
+        </p:nvSpPr>
+        <p:spPr/>
+        <p:txBody>
+          <a:bodyPr/>
+          <a:lstStyle/>
+          <a:p>
+            <a:fld id="{4382A7F7-08BF-4252-8141-63FB96055BBB}" type="slidenum">
+              <a:rPr lang="en-US" smtClean="0"/>
+              <a:t>8</a:t>
+            </a:fld>
+            <a:endParaRPr lang="en-US"/>
+          </a:p>
+        </p:txBody>
+      </p:sp>
     </p:spTree>
     <p:extLst>
       <p:ext uri="{BB962C8B-B14F-4D97-AF65-F5344CB8AC3E}">
@@ -11236,11 +11513,7 @@
           <a:p>
             <a:r>
               <a:rPr lang="es-MX" dirty="0" smtClean="0"/>
-              <a:t>Desafío</a:t>
-            </a:r>
-            <a:r>
-              <a:rPr lang="es-MX" dirty="0" smtClean="0"/>
-              <a:t> 3: Comparación de Sensores</a:t>
+              <a:t>Desafío 3: Comparación de Sensores</a:t>
             </a:r>
             <a:endParaRPr lang="es-MX" dirty="0"/>
           </a:p>
@@ -11309,15 +11582,7 @@
             </a:pPr>
             <a:r>
               <a:rPr lang="es-MX" sz="1600" dirty="0" smtClean="0"/>
-              <a:t>Las lecturas del </a:t>
-            </a:r>
-            <a:r>
-              <a:rPr lang="es-MX" sz="1600" dirty="0" smtClean="0"/>
-              <a:t>Sensor Infrarrojo se basan en la luz reflejada</a:t>
-            </a:r>
-            <a:r>
-              <a:rPr lang="es-MX" sz="1600" dirty="0" smtClean="0"/>
-              <a:t>. No será tan preciso para determinar la distancia de un objeto como el Sensor Ultrasónico. </a:t>
+              <a:t>Las lecturas del Sensor Infrarrojo se basan en la luz reflejada. No será tan preciso para determinar la distancia de un objeto como el Sensor Ultrasónico. </a:t>
             </a:r>
             <a:endParaRPr lang="es-MX" sz="1600" dirty="0"/>
           </a:p>
@@ -11373,28 +11638,28 @@
                 <a:gridCol w="1204637">
                   <a:extLst>
                     <a:ext uri="{9D8B030D-6E8A-4147-A177-3AD203B41FA5}">
-                      <a16:colId xmlns="" xmlns:a16="http://schemas.microsoft.com/office/drawing/2014/main" val="20000"/>
+                      <a16:colId xmlns:a16="http://schemas.microsoft.com/office/drawing/2014/main" xmlns="" val="20000"/>
                     </a:ext>
                   </a:extLst>
                 </a:gridCol>
                 <a:gridCol w="960106">
                   <a:extLst>
                     <a:ext uri="{9D8B030D-6E8A-4147-A177-3AD203B41FA5}">
-                      <a16:colId xmlns="" xmlns:a16="http://schemas.microsoft.com/office/drawing/2014/main" val="20001"/>
+                      <a16:colId xmlns:a16="http://schemas.microsoft.com/office/drawing/2014/main" xmlns="" val="20001"/>
                     </a:ext>
                   </a:extLst>
                 </a:gridCol>
                 <a:gridCol w="1326902">
                   <a:extLst>
                     <a:ext uri="{9D8B030D-6E8A-4147-A177-3AD203B41FA5}">
-                      <a16:colId xmlns="" xmlns:a16="http://schemas.microsoft.com/office/drawing/2014/main" val="20002"/>
+                      <a16:colId xmlns:a16="http://schemas.microsoft.com/office/drawing/2014/main" xmlns="" val="20002"/>
                     </a:ext>
                   </a:extLst>
                 </a:gridCol>
                 <a:gridCol w="1326902">
                   <a:extLst>
                     <a:ext uri="{9D8B030D-6E8A-4147-A177-3AD203B41FA5}">
-                      <a16:colId xmlns="" xmlns:a16="http://schemas.microsoft.com/office/drawing/2014/main" val="20003"/>
+                      <a16:colId xmlns:a16="http://schemas.microsoft.com/office/drawing/2014/main" xmlns="" val="20003"/>
                     </a:ext>
                   </a:extLst>
                 </a:gridCol>
@@ -11462,7 +11727,7 @@
                 </a:tc>
                 <a:extLst>
                   <a:ext uri="{0D108BD9-81ED-4DB2-BD59-A6C34878D82A}">
-                    <a16:rowId xmlns="" xmlns:a16="http://schemas.microsoft.com/office/drawing/2014/main" val="10000"/>
+                    <a16:rowId xmlns:a16="http://schemas.microsoft.com/office/drawing/2014/main" xmlns="" val="10000"/>
                   </a:ext>
                 </a:extLst>
               </a:tr>
@@ -11517,7 +11782,7 @@
                 </a:tc>
                 <a:extLst>
                   <a:ext uri="{0D108BD9-81ED-4DB2-BD59-A6C34878D82A}">
-                    <a16:rowId xmlns="" xmlns:a16="http://schemas.microsoft.com/office/drawing/2014/main" val="10001"/>
+                    <a16:rowId xmlns:a16="http://schemas.microsoft.com/office/drawing/2014/main" xmlns="" val="10001"/>
                   </a:ext>
                 </a:extLst>
               </a:tr>
@@ -11572,7 +11837,7 @@
                 </a:tc>
                 <a:extLst>
                   <a:ext uri="{0D108BD9-81ED-4DB2-BD59-A6C34878D82A}">
-                    <a16:rowId xmlns="" xmlns:a16="http://schemas.microsoft.com/office/drawing/2014/main" val="10002"/>
+                    <a16:rowId xmlns:a16="http://schemas.microsoft.com/office/drawing/2014/main" xmlns="" val="10002"/>
                   </a:ext>
                 </a:extLst>
               </a:tr>
@@ -11627,7 +11892,7 @@
                 </a:tc>
                 <a:extLst>
                   <a:ext uri="{0D108BD9-81ED-4DB2-BD59-A6C34878D82A}">
-                    <a16:rowId xmlns="" xmlns:a16="http://schemas.microsoft.com/office/drawing/2014/main" val="10003"/>
+                    <a16:rowId xmlns:a16="http://schemas.microsoft.com/office/drawing/2014/main" xmlns="" val="10003"/>
                   </a:ext>
                 </a:extLst>
               </a:tr>
@@ -11682,7 +11947,7 @@
                 </a:tc>
                 <a:extLst>
                   <a:ext uri="{0D108BD9-81ED-4DB2-BD59-A6C34878D82A}">
-                    <a16:rowId xmlns="" xmlns:a16="http://schemas.microsoft.com/office/drawing/2014/main" val="10004"/>
+                    <a16:rowId xmlns:a16="http://schemas.microsoft.com/office/drawing/2014/main" xmlns="" val="10004"/>
                   </a:ext>
                 </a:extLst>
               </a:tr>
@@ -11737,7 +12002,7 @@
                 </a:tc>
                 <a:extLst>
                   <a:ext uri="{0D108BD9-81ED-4DB2-BD59-A6C34878D82A}">
-                    <a16:rowId xmlns="" xmlns:a16="http://schemas.microsoft.com/office/drawing/2014/main" val="10005"/>
+                    <a16:rowId xmlns:a16="http://schemas.microsoft.com/office/drawing/2014/main" xmlns="" val="10005"/>
                   </a:ext>
                 </a:extLst>
               </a:tr>
@@ -11745,6 +12010,29 @@
           </a:graphicData>
         </a:graphic>
       </p:graphicFrame>
+      <p:sp>
+        <p:nvSpPr>
+          <p:cNvPr id="5" name="Slide Number Placeholder 4"/>
+          <p:cNvSpPr>
+            <a:spLocks noGrp="1"/>
+          </p:cNvSpPr>
+          <p:nvPr>
+            <p:ph type="sldNum" sz="quarter" idx="12"/>
+          </p:nvPr>
+        </p:nvSpPr>
+        <p:spPr/>
+        <p:txBody>
+          <a:bodyPr/>
+          <a:lstStyle/>
+          <a:p>
+            <a:fld id="{4382A7F7-08BF-4252-8141-63FB96055BBB}" type="slidenum">
+              <a:rPr lang="en-US" smtClean="0"/>
+              <a:t>9</a:t>
+            </a:fld>
+            <a:endParaRPr lang="en-US"/>
+          </a:p>
+        </p:txBody>
+      </p:sp>
     </p:spTree>
     <p:extLst>
       <p:ext uri="{BB962C8B-B14F-4D97-AF65-F5344CB8AC3E}">

--- a/_site/translations/es/intermediate/Infrared.pptx
+++ b/_site/translations/es/intermediate/Infrared.pptx
@@ -223,7 +223,7 @@
           <a:p>
             <a:fld id="{E354B44E-40A3-0E46-B16A-9BF1250A248B}" type="datetimeFigureOut">
               <a:rPr lang="en-US" smtClean="0"/>
-              <a:t>2/5/17</a:t>
+              <a:t>2/11/17</a:t>
             </a:fld>
             <a:endParaRPr lang="en-US"/>
           </a:p>
@@ -389,7 +389,7 @@
           <a:p>
             <a:fld id="{C86AD16C-2DB4-6642-BAD4-9ED973A087A0}" type="datetimeFigureOut">
               <a:rPr lang="en-US" smtClean="0"/>
-              <a:t>2/5/17</a:t>
+              <a:t>2/11/17</a:t>
             </a:fld>
             <a:endParaRPr lang="en-US"/>
           </a:p>
@@ -1014,7 +1014,7 @@
           <a:p>
             <a:fld id="{037B7D8F-1D39-844A-98F9-1F8FEC5E95E9}" type="datetime1">
               <a:rPr lang="en-US" smtClean="0"/>
-              <a:t>2/5/17</a:t>
+              <a:t>2/11/17</a:t>
             </a:fld>
             <a:endParaRPr lang="en-US"/>
           </a:p>
@@ -1274,7 +1274,7 @@
           <a:noFill/>
           <a:extLst>
             <a:ext uri="{909E8E84-426E-40dd-AFC4-6F175D3DCCD1}">
-              <a14:hiddenFill xmlns:a14="http://schemas.microsoft.com/office/drawing/2010/main" xmlns="">
+              <a14:hiddenFill xmlns="" xmlns:a14="http://schemas.microsoft.com/office/drawing/2010/main">
                 <a:solidFill>
                   <a:srgbClr val="FFFFFF"/>
                 </a:solidFill>
@@ -1405,7 +1405,7 @@
           <a:p>
             <a:fld id="{2A2AC84E-80CD-0142-B847-E962554713B6}" type="datetime1">
               <a:rPr lang="en-US" smtClean="0"/>
-              <a:t>2/5/17</a:t>
+              <a:t>2/11/17</a:t>
             </a:fld>
             <a:endParaRPr lang="en-US"/>
           </a:p>
@@ -1664,7 +1664,7 @@
           <a:p>
             <a:fld id="{B06148A5-EEB0-C548-A393-2C0DE6EB8DC6}" type="datetime1">
               <a:rPr lang="en-US" smtClean="0"/>
-              <a:t>2/5/17</a:t>
+              <a:t>2/11/17</a:t>
             </a:fld>
             <a:endParaRPr lang="en-US"/>
           </a:p>
@@ -1918,7 +1918,7 @@
           <a:p>
             <a:fld id="{387994FA-CFCB-BB4C-A421-CF3326C0CEFF}" type="datetime1">
               <a:rPr lang="en-US" smtClean="0"/>
-              <a:t>2/5/17</a:t>
+              <a:t>2/11/17</a:t>
             </a:fld>
             <a:endParaRPr lang="en-US"/>
           </a:p>
@@ -2363,7 +2363,7 @@
           <a:p>
             <a:fld id="{709F33C3-2540-8B49-B8BA-6EC6CA10B4F4}" type="datetime1">
               <a:rPr lang="en-US" smtClean="0"/>
-              <a:t>2/5/17</a:t>
+              <a:t>2/11/17</a:t>
             </a:fld>
             <a:endParaRPr lang="en-US"/>
           </a:p>
@@ -2709,7 +2709,7 @@
           <a:p>
             <a:fld id="{FCFE905D-2317-7946-AD46-75209F9C3417}" type="datetime1">
               <a:rPr lang="en-US" smtClean="0"/>
-              <a:t>2/5/17</a:t>
+              <a:t>2/11/17</a:t>
             </a:fld>
             <a:endParaRPr lang="en-US"/>
           </a:p>
@@ -2987,7 +2987,7 @@
           <a:p>
             <a:fld id="{0DE92AEB-114A-9741-B52B-50C533E37095}" type="datetime1">
               <a:rPr lang="en-US" smtClean="0"/>
-              <a:t>2/5/17</a:t>
+              <a:t>2/11/17</a:t>
             </a:fld>
             <a:endParaRPr lang="en-US"/>
           </a:p>
@@ -3370,7 +3370,7 @@
           <a:p>
             <a:fld id="{6E285901-F10F-B74E-BAE0-B559708989C2}" type="datetime1">
               <a:rPr lang="en-US" smtClean="0"/>
-              <a:t>2/5/17</a:t>
+              <a:t>2/11/17</a:t>
             </a:fld>
             <a:endParaRPr lang="en-US"/>
           </a:p>
@@ -3491,7 +3491,7 @@
           <a:p>
             <a:fld id="{5F159AE2-52E1-144A-86A3-14E9818A79A6}" type="datetime1">
               <a:rPr lang="en-US" smtClean="0"/>
-              <a:t>2/5/17</a:t>
+              <a:t>2/11/17</a:t>
             </a:fld>
             <a:endParaRPr lang="en-US"/>
           </a:p>
@@ -3665,7 +3665,7 @@
           <a:p>
             <a:fld id="{6E144511-5A26-5F49-9272-03E93C7EE54A}" type="datetime1">
               <a:rPr lang="en-US" smtClean="0"/>
-              <a:t>2/5/17</a:t>
+              <a:t>2/11/17</a:t>
             </a:fld>
             <a:endParaRPr lang="en-US"/>
           </a:p>
@@ -4022,7 +4022,7 @@
           <a:p>
             <a:fld id="{ACD74F50-91F0-7748-8CDC-8D4DEDE0BCFC}" type="datetime1">
               <a:rPr lang="en-US" smtClean="0"/>
-              <a:t>2/5/17</a:t>
+              <a:t>2/11/17</a:t>
             </a:fld>
             <a:endParaRPr lang="en-US"/>
           </a:p>
@@ -4216,7 +4216,7 @@
           <a:p>
             <a:fld id="{E8D9D204-D5FB-2B43-BDA3-63C5B2FC8BEA}" type="datetime1">
               <a:rPr lang="en-US" smtClean="0"/>
-              <a:t>2/5/17</a:t>
+              <a:t>2/11/17</a:t>
             </a:fld>
             <a:endParaRPr lang="en-US"/>
           </a:p>
@@ -4580,7 +4580,7 @@
           <a:p>
             <a:fld id="{50759E8F-1CB7-C648-B1A4-A87B8758C6A9}" type="datetime1">
               <a:rPr lang="en-US" smtClean="0"/>
-              <a:t>2/5/17</a:t>
+              <a:t>2/11/17</a:t>
             </a:fld>
             <a:endParaRPr lang="en-US"/>
           </a:p>
@@ -4753,7 +4753,7 @@
           <a:p>
             <a:fld id="{9494086B-E7BC-E84D-8ECF-55A1C9EB1325}" type="datetime1">
               <a:rPr lang="en-US" smtClean="0"/>
-              <a:t>2/5/17</a:t>
+              <a:t>2/11/17</a:t>
             </a:fld>
             <a:endParaRPr lang="en-US"/>
           </a:p>
@@ -5012,7 +5012,7 @@
           <a:p>
             <a:fld id="{A425802E-8367-E44F-89D5-76243D80D121}" type="datetime1">
               <a:rPr lang="en-US" smtClean="0"/>
-              <a:t>2/5/17</a:t>
+              <a:t>2/11/17</a:t>
             </a:fld>
             <a:endParaRPr lang="en-US"/>
           </a:p>
@@ -5358,7 +5358,7 @@
           <a:p>
             <a:fld id="{4E4A9C57-DC22-6B4F-A42C-BDC3F0F1557F}" type="datetime1">
               <a:rPr lang="en-US" smtClean="0"/>
-              <a:t>2/5/17</a:t>
+              <a:t>2/11/17</a:t>
             </a:fld>
             <a:endParaRPr lang="en-US"/>
           </a:p>
@@ -5636,7 +5636,7 @@
           <a:p>
             <a:fld id="{D551841A-313E-164E-A9B9-21F692EBB0B2}" type="datetime1">
               <a:rPr lang="en-US" smtClean="0"/>
-              <a:t>2/5/17</a:t>
+              <a:t>2/11/17</a:t>
             </a:fld>
             <a:endParaRPr lang="en-US"/>
           </a:p>
@@ -6019,7 +6019,7 @@
           <a:p>
             <a:fld id="{EBDA0CDF-5696-9948-BFB5-A81AF243A8C2}" type="datetime1">
               <a:rPr lang="en-US" smtClean="0"/>
-              <a:t>2/5/17</a:t>
+              <a:t>2/11/17</a:t>
             </a:fld>
             <a:endParaRPr lang="en-US"/>
           </a:p>
@@ -6140,7 +6140,7 @@
           <a:p>
             <a:fld id="{8178F562-728D-6A43-83A1-CD1D430C5D27}" type="datetime1">
               <a:rPr lang="en-US" smtClean="0"/>
-              <a:t>2/5/17</a:t>
+              <a:t>2/11/17</a:t>
             </a:fld>
             <a:endParaRPr lang="en-US"/>
           </a:p>
@@ -6314,7 +6314,7 @@
           <a:p>
             <a:fld id="{79F25D7D-B2CA-1544-9DE3-F8F80196DB9E}" type="datetime1">
               <a:rPr lang="en-US" smtClean="0"/>
-              <a:t>2/5/17</a:t>
+              <a:t>2/11/17</a:t>
             </a:fld>
             <a:endParaRPr lang="en-US"/>
           </a:p>
@@ -6671,7 +6671,7 @@
           <a:p>
             <a:fld id="{8E248D88-CAB6-AC4E-B42F-E5CFDD231205}" type="datetime1">
               <a:rPr lang="en-US" smtClean="0"/>
-              <a:t>2/5/17</a:t>
+              <a:t>2/11/17</a:t>
             </a:fld>
             <a:endParaRPr lang="en-US"/>
           </a:p>
@@ -7056,7 +7056,7 @@
           <a:p>
             <a:fld id="{8D47035E-4F8F-2E44-9AD5-8D4D2849A43C}" type="datetime1">
               <a:rPr lang="en-US" smtClean="0"/>
-              <a:t>2/5/17</a:t>
+              <a:t>2/11/17</a:t>
             </a:fld>
             <a:endParaRPr lang="en-US"/>
           </a:p>
@@ -7348,7 +7348,7 @@
           <a:p>
             <a:fld id="{D0F1E2AF-A7B1-E14F-B361-45C5115B80B5}" type="datetime1">
               <a:rPr lang="en-US" smtClean="0"/>
-              <a:t>2/5/17</a:t>
+              <a:t>2/11/17</a:t>
             </a:fld>
             <a:endParaRPr lang="en-US" dirty="0"/>
           </a:p>
@@ -8126,7 +8126,7 @@
           <a:p>
             <a:fld id="{858D7A99-3C2B-C146-907A-12AFA83A8870}" type="datetime1">
               <a:rPr lang="en-US" smtClean="0"/>
-              <a:t>2/5/17</a:t>
+              <a:t>2/11/17</a:t>
             </a:fld>
             <a:endParaRPr lang="en-US" dirty="0"/>
           </a:p>
@@ -9252,7 +9252,7 @@
           <a:effectLst/>
           <a:extLst>
             <a:ext uri="{91240B29-F687-4f45-9708-019B960494DF}">
-              <a14:hiddenLine xmlns="" xmlns:a14="http://schemas.microsoft.com/office/drawing/2010/main" w="9525">
+              <a14:hiddenLine xmlns:a14="http://schemas.microsoft.com/office/drawing/2010/main" xmlns="" w="9525">
                 <a:solidFill>
                   <a:schemeClr val="tx1"/>
                 </a:solidFill>
@@ -9262,7 +9262,7 @@
               </a14:hiddenLine>
             </a:ext>
             <a:ext uri="{AF507438-7753-43e0-B8FC-AC1667EBCBE1}">
-              <a14:hiddenEffects xmlns="" xmlns:a14="http://schemas.microsoft.com/office/drawing/2010/main">
+              <a14:hiddenEffects xmlns:a14="http://schemas.microsoft.com/office/drawing/2010/main" xmlns="">
                 <a:effectLst>
                   <a:outerShdw dist="35921" dir="2700000" algn="ctr" rotWithShape="0">
                     <a:schemeClr val="bg2"/>
@@ -9408,22 +9408,7 @@
             </a:lvl9pPr>
           </a:lstStyle>
           <a:p>
-            <a:pPr marL="0" marR="0" lvl="0" indent="0" algn="ctr" defTabSz="914400" rtl="0" eaLnBrk="0" fontAlgn="base" latinLnBrk="0" hangingPunct="0">
-              <a:lnSpc>
-                <a:spcPct val="100000"/>
-              </a:lnSpc>
-              <a:spcBef>
-                <a:spcPct val="0"/>
-              </a:spcBef>
-              <a:spcAft>
-                <a:spcPct val="0"/>
-              </a:spcAft>
-              <a:buClrTx/>
-              <a:buSzTx/>
-              <a:buFontTx/>
-              <a:buNone/>
-              <a:tabLst/>
-            </a:pPr>
+            <a:pPr lvl="0" algn="ctr"/>
             <a:r>
               <a:rPr kumimoji="0" lang="en-US" altLang="en-US" sz="2000" b="0" i="0" u="none" strike="noStrike" cap="none" normalizeH="0" baseline="0" dirty="0">
                 <a:ln>
@@ -9461,6 +9446,15 @@
               </a:rPr>
             </a:br>
             <a:r>
+              <a:rPr lang="x-none" altLang="en-US" sz="2000">
+                <a:solidFill>
+                  <a:srgbClr val="000000"/>
+                </a:solidFill>
+                <a:latin typeface="Helvetica Neue"/>
+              </a:rPr>
+              <a:t> Este trabajo tiene licencia bajo </a:t>
+            </a:r>
+            <a:r>
               <a:rPr kumimoji="0" lang="en-US" altLang="en-US" sz="2000" b="0" i="0" u="none" strike="noStrike" cap="none" normalizeH="0" baseline="0" dirty="0">
                 <a:ln>
                   <a:noFill/>
@@ -9471,7 +9465,7 @@
                 <a:effectLst/>
                 <a:latin typeface="Helvetica Neue"/>
               </a:rPr>
-              <a:t>This work is licensed under a </a:t>
+              <a:t> </a:t>
             </a:r>
             <a:r>
               <a:rPr kumimoji="0" lang="en-US" altLang="en-US" sz="2000" b="0" i="0" u="none" strike="noStrike" cap="none" normalizeH="0" baseline="0" dirty="0">
@@ -9615,7 +9609,7 @@
           <a:noFill/>
           <a:extLst>
             <a:ext uri="{909E8E84-426E-40dd-AFC4-6F175D3DCCD1}">
-              <a14:hiddenFill xmlns="" xmlns:a14="http://schemas.microsoft.com/office/drawing/2010/main">
+              <a14:hiddenFill xmlns:a14="http://schemas.microsoft.com/office/drawing/2010/main" xmlns="">
                 <a:solidFill>
                   <a:srgbClr val="FFFFFF"/>
                 </a:solidFill>
@@ -10575,14 +10569,14 @@
                 <a:gridCol w="1528287">
                   <a:extLst>
                     <a:ext uri="{9D8B030D-6E8A-4147-A177-3AD203B41FA5}">
-                      <a16:colId xmlns:a16="http://schemas.microsoft.com/office/drawing/2014/main" xmlns="" val="20000"/>
+                      <a16:colId xmlns="" xmlns:a16="http://schemas.microsoft.com/office/drawing/2014/main" val="20000"/>
                     </a:ext>
                   </a:extLst>
                 </a:gridCol>
                 <a:gridCol w="6485052">
                   <a:extLst>
                     <a:ext uri="{9D8B030D-6E8A-4147-A177-3AD203B41FA5}">
-                      <a16:colId xmlns:a16="http://schemas.microsoft.com/office/drawing/2014/main" xmlns="" val="20001"/>
+                      <a16:colId xmlns="" xmlns:a16="http://schemas.microsoft.com/office/drawing/2014/main" val="20001"/>
                     </a:ext>
                   </a:extLst>
                 </a:gridCol>
@@ -10698,7 +10692,7 @@
                 </a:tc>
                 <a:extLst>
                   <a:ext uri="{0D108BD9-81ED-4DB2-BD59-A6C34878D82A}">
-                    <a16:rowId xmlns:a16="http://schemas.microsoft.com/office/drawing/2014/main" xmlns="" val="10000"/>
+                    <a16:rowId xmlns="" xmlns:a16="http://schemas.microsoft.com/office/drawing/2014/main" val="10000"/>
                   </a:ext>
                 </a:extLst>
               </a:tr>
@@ -10828,7 +10822,7 @@
                 </a:tc>
                 <a:extLst>
                   <a:ext uri="{0D108BD9-81ED-4DB2-BD59-A6C34878D82A}">
-                    <a16:rowId xmlns:a16="http://schemas.microsoft.com/office/drawing/2014/main" xmlns="" val="10001"/>
+                    <a16:rowId xmlns="" xmlns:a16="http://schemas.microsoft.com/office/drawing/2014/main" val="10001"/>
                   </a:ext>
                 </a:extLst>
               </a:tr>
@@ -11005,7 +10999,7 @@
                 </a:tc>
                 <a:extLst>
                   <a:ext uri="{0D108BD9-81ED-4DB2-BD59-A6C34878D82A}">
-                    <a16:rowId xmlns:a16="http://schemas.microsoft.com/office/drawing/2014/main" xmlns="" val="10002"/>
+                    <a16:rowId xmlns="" xmlns:a16="http://schemas.microsoft.com/office/drawing/2014/main" val="10002"/>
                   </a:ext>
                 </a:extLst>
               </a:tr>
@@ -11131,7 +11125,7 @@
                 </a:tc>
                 <a:extLst>
                   <a:ext uri="{0D108BD9-81ED-4DB2-BD59-A6C34878D82A}">
-                    <a16:rowId xmlns:a16="http://schemas.microsoft.com/office/drawing/2014/main" xmlns="" val="10003"/>
+                    <a16:rowId xmlns="" xmlns:a16="http://schemas.microsoft.com/office/drawing/2014/main" val="10003"/>
                   </a:ext>
                 </a:extLst>
               </a:tr>
@@ -11638,28 +11632,28 @@
                 <a:gridCol w="1204637">
                   <a:extLst>
                     <a:ext uri="{9D8B030D-6E8A-4147-A177-3AD203B41FA5}">
-                      <a16:colId xmlns:a16="http://schemas.microsoft.com/office/drawing/2014/main" xmlns="" val="20000"/>
+                      <a16:colId xmlns="" xmlns:a16="http://schemas.microsoft.com/office/drawing/2014/main" val="20000"/>
                     </a:ext>
                   </a:extLst>
                 </a:gridCol>
                 <a:gridCol w="960106">
                   <a:extLst>
                     <a:ext uri="{9D8B030D-6E8A-4147-A177-3AD203B41FA5}">
-                      <a16:colId xmlns:a16="http://schemas.microsoft.com/office/drawing/2014/main" xmlns="" val="20001"/>
+                      <a16:colId xmlns="" xmlns:a16="http://schemas.microsoft.com/office/drawing/2014/main" val="20001"/>
                     </a:ext>
                   </a:extLst>
                 </a:gridCol>
                 <a:gridCol w="1326902">
                   <a:extLst>
                     <a:ext uri="{9D8B030D-6E8A-4147-A177-3AD203B41FA5}">
-                      <a16:colId xmlns:a16="http://schemas.microsoft.com/office/drawing/2014/main" xmlns="" val="20002"/>
+                      <a16:colId xmlns="" xmlns:a16="http://schemas.microsoft.com/office/drawing/2014/main" val="20002"/>
                     </a:ext>
                   </a:extLst>
                 </a:gridCol>
                 <a:gridCol w="1326902">
                   <a:extLst>
                     <a:ext uri="{9D8B030D-6E8A-4147-A177-3AD203B41FA5}">
-                      <a16:colId xmlns:a16="http://schemas.microsoft.com/office/drawing/2014/main" xmlns="" val="20003"/>
+                      <a16:colId xmlns="" xmlns:a16="http://schemas.microsoft.com/office/drawing/2014/main" val="20003"/>
                     </a:ext>
                   </a:extLst>
                 </a:gridCol>
@@ -11727,7 +11721,7 @@
                 </a:tc>
                 <a:extLst>
                   <a:ext uri="{0D108BD9-81ED-4DB2-BD59-A6C34878D82A}">
-                    <a16:rowId xmlns:a16="http://schemas.microsoft.com/office/drawing/2014/main" xmlns="" val="10000"/>
+                    <a16:rowId xmlns="" xmlns:a16="http://schemas.microsoft.com/office/drawing/2014/main" val="10000"/>
                   </a:ext>
                 </a:extLst>
               </a:tr>
@@ -11782,7 +11776,7 @@
                 </a:tc>
                 <a:extLst>
                   <a:ext uri="{0D108BD9-81ED-4DB2-BD59-A6C34878D82A}">
-                    <a16:rowId xmlns:a16="http://schemas.microsoft.com/office/drawing/2014/main" xmlns="" val="10001"/>
+                    <a16:rowId xmlns="" xmlns:a16="http://schemas.microsoft.com/office/drawing/2014/main" val="10001"/>
                   </a:ext>
                 </a:extLst>
               </a:tr>
@@ -11837,7 +11831,7 @@
                 </a:tc>
                 <a:extLst>
                   <a:ext uri="{0D108BD9-81ED-4DB2-BD59-A6C34878D82A}">
-                    <a16:rowId xmlns:a16="http://schemas.microsoft.com/office/drawing/2014/main" xmlns="" val="10002"/>
+                    <a16:rowId xmlns="" xmlns:a16="http://schemas.microsoft.com/office/drawing/2014/main" val="10002"/>
                   </a:ext>
                 </a:extLst>
               </a:tr>
@@ -11892,7 +11886,7 @@
                 </a:tc>
                 <a:extLst>
                   <a:ext uri="{0D108BD9-81ED-4DB2-BD59-A6C34878D82A}">
-                    <a16:rowId xmlns:a16="http://schemas.microsoft.com/office/drawing/2014/main" xmlns="" val="10003"/>
+                    <a16:rowId xmlns="" xmlns:a16="http://schemas.microsoft.com/office/drawing/2014/main" val="10003"/>
                   </a:ext>
                 </a:extLst>
               </a:tr>
@@ -11947,7 +11941,7 @@
                 </a:tc>
                 <a:extLst>
                   <a:ext uri="{0D108BD9-81ED-4DB2-BD59-A6C34878D82A}">
-                    <a16:rowId xmlns:a16="http://schemas.microsoft.com/office/drawing/2014/main" xmlns="" val="10004"/>
+                    <a16:rowId xmlns="" xmlns:a16="http://schemas.microsoft.com/office/drawing/2014/main" val="10004"/>
                   </a:ext>
                 </a:extLst>
               </a:tr>
@@ -12002,7 +11996,7 @@
                 </a:tc>
                 <a:extLst>
                   <a:ext uri="{0D108BD9-81ED-4DB2-BD59-A6C34878D82A}">
-                    <a16:rowId xmlns:a16="http://schemas.microsoft.com/office/drawing/2014/main" xmlns="" val="10005"/>
+                    <a16:rowId xmlns="" xmlns:a16="http://schemas.microsoft.com/office/drawing/2014/main" val="10005"/>
                   </a:ext>
                 </a:extLst>
               </a:tr>
